--- a/课件/仙人掌&圆方树&虚树 by gxb.pptx
+++ b/课件/仙人掌&圆方树&虚树 by gxb.pptx
@@ -162,7 +162,7 @@
   </p:defaultTextStyle>
   <p:extLst>
     <p:ext uri="{EFAFB233-063F-42B5-8137-9DF3F51BA10A}">
-      <p15:sldGuideLst xmlns:p15="http://schemas.microsoft.com/office/powerpoint/2012/main" xmlns="">
+      <p15:sldGuideLst xmlns:p15="http://schemas.microsoft.com/office/powerpoint/2012/main">
         <p15:guide id="1" orient="horz" pos="2160">
           <p15:clr>
             <a:srgbClr val="A4A3A4"/>
@@ -470,7 +470,7 @@
             <a:fld id="{530820CF-B880-4189-942D-D702A7CBA730}" type="datetimeFigureOut">
               <a:rPr lang="zh-CN" altLang="en-US" smtClean="0"/>
               <a:pPr/>
-              <a:t>2018-6-9</a:t>
+              <a:t>2022/1/3</a:t>
             </a:fld>
             <a:endParaRPr lang="zh-CN" altLang="en-US"/>
           </a:p>
@@ -637,7 +637,7 @@
             <a:fld id="{530820CF-B880-4189-942D-D702A7CBA730}" type="datetimeFigureOut">
               <a:rPr lang="zh-CN" altLang="en-US" smtClean="0"/>
               <a:pPr/>
-              <a:t>2018-6-9</a:t>
+              <a:t>2022/1/3</a:t>
             </a:fld>
             <a:endParaRPr lang="zh-CN" altLang="en-US"/>
           </a:p>
@@ -814,7 +814,7 @@
             <a:fld id="{530820CF-B880-4189-942D-D702A7CBA730}" type="datetimeFigureOut">
               <a:rPr lang="zh-CN" altLang="en-US" smtClean="0"/>
               <a:pPr/>
-              <a:t>2018-6-9</a:t>
+              <a:t>2022/1/3</a:t>
             </a:fld>
             <a:endParaRPr lang="zh-CN" altLang="en-US"/>
           </a:p>
@@ -963,7 +963,7 @@
             <a:fld id="{530820CF-B880-4189-942D-D702A7CBA730}" type="datetimeFigureOut">
               <a:rPr lang="zh-CN" altLang="en-US" smtClean="0"/>
               <a:pPr/>
-              <a:t>2018-6-9</a:t>
+              <a:t>2022/1/3</a:t>
             </a:fld>
             <a:endParaRPr lang="zh-CN" altLang="en-US"/>
           </a:p>
@@ -1082,7 +1082,7 @@
             <a:fld id="{530820CF-B880-4189-942D-D702A7CBA730}" type="datetimeFigureOut">
               <a:rPr lang="zh-CN" altLang="en-US" smtClean="0"/>
               <a:pPr/>
-              <a:t>2018-6-9</a:t>
+              <a:t>2022/1/3</a:t>
             </a:fld>
             <a:endParaRPr lang="zh-CN" altLang="en-US"/>
           </a:p>
@@ -1354,7 +1354,7 @@
             <a:fld id="{530820CF-B880-4189-942D-D702A7CBA730}" type="datetimeFigureOut">
               <a:rPr lang="zh-CN" altLang="en-US" smtClean="0"/>
               <a:pPr/>
-              <a:t>2018-6-9</a:t>
+              <a:t>2022/1/3</a:t>
             </a:fld>
             <a:endParaRPr lang="zh-CN" altLang="en-US"/>
           </a:p>
@@ -1626,7 +1626,7 @@
             <a:fld id="{530820CF-B880-4189-942D-D702A7CBA730}" type="datetimeFigureOut">
               <a:rPr lang="zh-CN" altLang="en-US" smtClean="0"/>
               <a:pPr/>
-              <a:t>2018-6-9</a:t>
+              <a:t>2022/1/3</a:t>
             </a:fld>
             <a:endParaRPr lang="zh-CN" altLang="en-US"/>
           </a:p>
@@ -2074,7 +2074,7 @@
             <a:fld id="{530820CF-B880-4189-942D-D702A7CBA730}" type="datetimeFigureOut">
               <a:rPr lang="zh-CN" altLang="en-US" smtClean="0"/>
               <a:pPr/>
-              <a:t>2018-6-9</a:t>
+              <a:t>2022/1/3</a:t>
             </a:fld>
             <a:endParaRPr lang="zh-CN" altLang="en-US"/>
           </a:p>
@@ -2189,7 +2189,7 @@
             <a:fld id="{530820CF-B880-4189-942D-D702A7CBA730}" type="datetimeFigureOut">
               <a:rPr lang="zh-CN" altLang="en-US" smtClean="0"/>
               <a:pPr/>
-              <a:t>2018-6-9</a:t>
+              <a:t>2022/1/3</a:t>
             </a:fld>
             <a:endParaRPr lang="zh-CN" altLang="en-US"/>
           </a:p>
@@ -2441,7 +2441,7 @@
             <a:fld id="{530820CF-B880-4189-942D-D702A7CBA730}" type="datetimeFigureOut">
               <a:rPr lang="zh-CN" altLang="en-US" smtClean="0"/>
               <a:pPr/>
-              <a:t>2018-6-9</a:t>
+              <a:t>2022/1/3</a:t>
             </a:fld>
             <a:endParaRPr lang="zh-CN" altLang="en-US"/>
           </a:p>
@@ -2683,7 +2683,7 @@
             <a:fld id="{530820CF-B880-4189-942D-D702A7CBA730}" type="datetimeFigureOut">
               <a:rPr lang="zh-CN" altLang="en-US" smtClean="0"/>
               <a:pPr/>
-              <a:t>2018-6-9</a:t>
+              <a:t>2022/1/3</a:t>
             </a:fld>
             <a:endParaRPr lang="zh-CN" altLang="en-US"/>
           </a:p>
@@ -2858,7 +2858,7 @@
             <a:fld id="{530820CF-B880-4189-942D-D702A7CBA730}" type="datetimeFigureOut">
               <a:rPr lang="zh-CN" altLang="en-US" smtClean="0"/>
               <a:pPr/>
-              <a:t>2018-6-9</a:t>
+              <a:t>2022/1/3</a:t>
             </a:fld>
             <a:endParaRPr lang="zh-CN" altLang="en-US"/>
           </a:p>
@@ -3346,8 +3346,8 @@
           <a:lstStyle/>
           <a:p>
             <a:r>
-              <a:rPr lang="en-US" altLang="zh-CN" dirty="0"/>
-              <a:t>GXB</a:t>
+              <a:rPr lang="en-US" altLang="zh-CN" dirty="0" err="1"/>
+              <a:t>SovietPower</a:t>
             </a:r>
             <a:endParaRPr lang="zh-CN" altLang="en-US" dirty="0"/>
           </a:p>
@@ -3558,7 +3558,7 @@
     </p:spTree>
     <p:extLst>
       <p:ext uri="{BB962C8B-B14F-4D97-AF65-F5344CB8AC3E}">
-        <p14:creationId xmlns:p14="http://schemas.microsoft.com/office/powerpoint/2010/main" xmlns="" val="1183086166"/>
+        <p14:creationId xmlns:p14="http://schemas.microsoft.com/office/powerpoint/2010/main" val="1183086166"/>
       </p:ext>
     </p:extLst>
   </p:cSld>
@@ -3858,7 +3858,7 @@
     </p:spTree>
     <p:extLst>
       <p:ext uri="{BB962C8B-B14F-4D97-AF65-F5344CB8AC3E}">
-        <p14:creationId xmlns:p14="http://schemas.microsoft.com/office/powerpoint/2010/main" xmlns="" val="2213734135"/>
+        <p14:creationId xmlns:p14="http://schemas.microsoft.com/office/powerpoint/2010/main" val="2213734135"/>
       </p:ext>
     </p:extLst>
   </p:cSld>
@@ -4252,7 +4252,7 @@
           <p:cNvPr id="5" name="图片 4">
             <a:extLst>
               <a:ext uri="{FF2B5EF4-FFF2-40B4-BE49-F238E27FC236}">
-                <a16:creationId xmlns:a16="http://schemas.microsoft.com/office/drawing/2014/main" xmlns="" id="{DCE0A69B-29D8-455F-B879-CBED5C3DDE00}"/>
+                <a16:creationId xmlns:a16="http://schemas.microsoft.com/office/drawing/2014/main" id="{DCE0A69B-29D8-455F-B879-CBED5C3DDE00}"/>
               </a:ext>
             </a:extLst>
           </p:cNvPr>
@@ -4282,7 +4282,7 @@
           <p:cNvPr id="4" name="文本框 3">
             <a:extLst>
               <a:ext uri="{FF2B5EF4-FFF2-40B4-BE49-F238E27FC236}">
-                <a16:creationId xmlns:a16="http://schemas.microsoft.com/office/drawing/2014/main" xmlns="" id="{82B28F01-9F36-4C8F-82B0-884B71DA830C}"/>
+                <a16:creationId xmlns:a16="http://schemas.microsoft.com/office/drawing/2014/main" id="{82B28F01-9F36-4C8F-82B0-884B71DA830C}"/>
               </a:ext>
             </a:extLst>
           </p:cNvPr>
@@ -4315,7 +4315,7 @@
     </p:spTree>
     <p:extLst>
       <p:ext uri="{BB962C8B-B14F-4D97-AF65-F5344CB8AC3E}">
-        <p14:creationId xmlns:p14="http://schemas.microsoft.com/office/powerpoint/2010/main" xmlns="" val="3861503747"/>
+        <p14:creationId xmlns:p14="http://schemas.microsoft.com/office/powerpoint/2010/main" val="3861503747"/>
       </p:ext>
     </p:extLst>
   </p:cSld>
@@ -4704,7 +4704,7 @@
     </p:spTree>
     <p:extLst>
       <p:ext uri="{BB962C8B-B14F-4D97-AF65-F5344CB8AC3E}">
-        <p14:creationId xmlns:p14="http://schemas.microsoft.com/office/powerpoint/2010/main" xmlns="" val="1671674041"/>
+        <p14:creationId xmlns:p14="http://schemas.microsoft.com/office/powerpoint/2010/main" val="1671674041"/>
       </p:ext>
     </p:extLst>
   </p:cSld>
@@ -4900,7 +4900,7 @@
     </p:spTree>
     <p:extLst>
       <p:ext uri="{BB962C8B-B14F-4D97-AF65-F5344CB8AC3E}">
-        <p14:creationId xmlns:p14="http://schemas.microsoft.com/office/powerpoint/2010/main" xmlns="" val="2668931584"/>
+        <p14:creationId xmlns:p14="http://schemas.microsoft.com/office/powerpoint/2010/main" val="2668931584"/>
       </p:ext>
     </p:extLst>
   </p:cSld>
@@ -5469,7 +5469,7 @@
     </p:spTree>
     <p:extLst>
       <p:ext uri="{BB962C8B-B14F-4D97-AF65-F5344CB8AC3E}">
-        <p14:creationId xmlns:p14="http://schemas.microsoft.com/office/powerpoint/2010/main" xmlns="" val="83425595"/>
+        <p14:creationId xmlns:p14="http://schemas.microsoft.com/office/powerpoint/2010/main" val="83425595"/>
       </p:ext>
     </p:extLst>
   </p:cSld>
@@ -6041,7 +6041,7 @@
     </p:spTree>
     <p:extLst>
       <p:ext uri="{BB962C8B-B14F-4D97-AF65-F5344CB8AC3E}">
-        <p14:creationId xmlns:p14="http://schemas.microsoft.com/office/powerpoint/2010/main" xmlns="" val="1350871117"/>
+        <p14:creationId xmlns:p14="http://schemas.microsoft.com/office/powerpoint/2010/main" val="1350871117"/>
       </p:ext>
     </p:extLst>
   </p:cSld>
@@ -6173,7 +6173,7 @@
     </p:spTree>
     <p:extLst>
       <p:ext uri="{BB962C8B-B14F-4D97-AF65-F5344CB8AC3E}">
-        <p14:creationId xmlns:p14="http://schemas.microsoft.com/office/powerpoint/2010/main" xmlns="" val="108082116"/>
+        <p14:creationId xmlns:p14="http://schemas.microsoft.com/office/powerpoint/2010/main" val="108082116"/>
       </p:ext>
     </p:extLst>
   </p:cSld>
@@ -6430,7 +6430,7 @@
     </p:spTree>
     <p:extLst>
       <p:ext uri="{BB962C8B-B14F-4D97-AF65-F5344CB8AC3E}">
-        <p14:creationId xmlns:p14="http://schemas.microsoft.com/office/powerpoint/2010/main" xmlns="" val="3711129853"/>
+        <p14:creationId xmlns:p14="http://schemas.microsoft.com/office/powerpoint/2010/main" val="3711129853"/>
       </p:ext>
     </p:extLst>
   </p:cSld>
@@ -7146,7 +7146,7 @@
     </p:spTree>
     <p:extLst>
       <p:ext uri="{BB962C8B-B14F-4D97-AF65-F5344CB8AC3E}">
-        <p14:creationId xmlns:p14="http://schemas.microsoft.com/office/powerpoint/2010/main" xmlns="" val="1306999599"/>
+        <p14:creationId xmlns:p14="http://schemas.microsoft.com/office/powerpoint/2010/main" val="1306999599"/>
       </p:ext>
     </p:extLst>
   </p:cSld>
@@ -7487,7 +7487,7 @@
           <p:cNvPr id="4" name="内容占位符 3">
             <a:extLst>
               <a:ext uri="{FF2B5EF4-FFF2-40B4-BE49-F238E27FC236}">
-                <a16:creationId xmlns:a16="http://schemas.microsoft.com/office/drawing/2014/main" xmlns="" id="{931DDDD8-24B7-4933-BA42-76E3B2CAFDE9}"/>
+                <a16:creationId xmlns:a16="http://schemas.microsoft.com/office/drawing/2014/main" id="{931DDDD8-24B7-4933-BA42-76E3B2CAFDE9}"/>
               </a:ext>
             </a:extLst>
           </p:cNvPr>
@@ -7643,7 +7643,7 @@
     </p:spTree>
     <p:extLst>
       <p:ext uri="{BB962C8B-B14F-4D97-AF65-F5344CB8AC3E}">
-        <p14:creationId xmlns:p14="http://schemas.microsoft.com/office/powerpoint/2010/main" xmlns="" val="4080768557"/>
+        <p14:creationId xmlns:p14="http://schemas.microsoft.com/office/powerpoint/2010/main" val="4080768557"/>
       </p:ext>
     </p:extLst>
   </p:cSld>
@@ -8047,7 +8047,7 @@
     </p:spTree>
     <p:extLst>
       <p:ext uri="{BB962C8B-B14F-4D97-AF65-F5344CB8AC3E}">
-        <p14:creationId xmlns:p14="http://schemas.microsoft.com/office/powerpoint/2010/main" xmlns="" val="4092909921"/>
+        <p14:creationId xmlns:p14="http://schemas.microsoft.com/office/powerpoint/2010/main" val="4092909921"/>
       </p:ext>
     </p:extLst>
   </p:cSld>
@@ -8385,7 +8385,7 @@
     </p:spTree>
     <p:extLst>
       <p:ext uri="{BB962C8B-B14F-4D97-AF65-F5344CB8AC3E}">
-        <p14:creationId xmlns:p14="http://schemas.microsoft.com/office/powerpoint/2010/main" xmlns="" val="3983535932"/>
+        <p14:creationId xmlns:p14="http://schemas.microsoft.com/office/powerpoint/2010/main" val="3983535932"/>
       </p:ext>
     </p:extLst>
   </p:cSld>
@@ -8595,7 +8595,7 @@
     </p:spTree>
     <p:extLst>
       <p:ext uri="{BB962C8B-B14F-4D97-AF65-F5344CB8AC3E}">
-        <p14:creationId xmlns:p14="http://schemas.microsoft.com/office/powerpoint/2010/main" xmlns="" val="3485702164"/>
+        <p14:creationId xmlns:p14="http://schemas.microsoft.com/office/powerpoint/2010/main" val="3485702164"/>
       </p:ext>
     </p:extLst>
   </p:cSld>
@@ -9006,7 +9006,7 @@
     </p:spTree>
     <p:extLst>
       <p:ext uri="{BB962C8B-B14F-4D97-AF65-F5344CB8AC3E}">
-        <p14:creationId xmlns:p14="http://schemas.microsoft.com/office/powerpoint/2010/main" xmlns="" val="1203461048"/>
+        <p14:creationId xmlns:p14="http://schemas.microsoft.com/office/powerpoint/2010/main" val="1203461048"/>
       </p:ext>
     </p:extLst>
   </p:cSld>
@@ -9305,7 +9305,7 @@
     </p:spTree>
     <p:extLst>
       <p:ext uri="{BB962C8B-B14F-4D97-AF65-F5344CB8AC3E}">
-        <p14:creationId xmlns:p14="http://schemas.microsoft.com/office/powerpoint/2010/main" xmlns="" val="534424764"/>
+        <p14:creationId xmlns:p14="http://schemas.microsoft.com/office/powerpoint/2010/main" val="534424764"/>
       </p:ext>
     </p:extLst>
   </p:cSld>
@@ -9459,7 +9459,7 @@
     </p:spTree>
     <p:extLst>
       <p:ext uri="{BB962C8B-B14F-4D97-AF65-F5344CB8AC3E}">
-        <p14:creationId xmlns:p14="http://schemas.microsoft.com/office/powerpoint/2010/main" xmlns="" val="1592884751"/>
+        <p14:creationId xmlns:p14="http://schemas.microsoft.com/office/powerpoint/2010/main" val="1592884751"/>
       </p:ext>
     </p:extLst>
   </p:cSld>
@@ -9647,7 +9647,7 @@
     </p:spTree>
     <p:extLst>
       <p:ext uri="{BB962C8B-B14F-4D97-AF65-F5344CB8AC3E}">
-        <p14:creationId xmlns:p14="http://schemas.microsoft.com/office/powerpoint/2010/main" xmlns="" val="4160858244"/>
+        <p14:creationId xmlns:p14="http://schemas.microsoft.com/office/powerpoint/2010/main" val="4160858244"/>
       </p:ext>
     </p:extLst>
   </p:cSld>
@@ -9970,7 +9970,7 @@
           <p:cNvPr id="4" name="图片 3">
             <a:extLst>
               <a:ext uri="{FF2B5EF4-FFF2-40B4-BE49-F238E27FC236}">
-                <a16:creationId xmlns:a16="http://schemas.microsoft.com/office/drawing/2014/main" xmlns="" id="{C8CBDF52-F124-414E-BD94-6AF12BF474C5}"/>
+                <a16:creationId xmlns:a16="http://schemas.microsoft.com/office/drawing/2014/main" id="{C8CBDF52-F124-414E-BD94-6AF12BF474C5}"/>
               </a:ext>
             </a:extLst>
           </p:cNvPr>
@@ -10000,7 +10000,7 @@
           <p:cNvPr id="5" name="图片 4">
             <a:extLst>
               <a:ext uri="{FF2B5EF4-FFF2-40B4-BE49-F238E27FC236}">
-                <a16:creationId xmlns:a16="http://schemas.microsoft.com/office/drawing/2014/main" xmlns="" id="{CF8D0BFF-A487-4398-A64D-94B4D35B6371}"/>
+                <a16:creationId xmlns:a16="http://schemas.microsoft.com/office/drawing/2014/main" id="{CF8D0BFF-A487-4398-A64D-94B4D35B6371}"/>
               </a:ext>
             </a:extLst>
           </p:cNvPr>
@@ -10028,7 +10028,7 @@
     </p:spTree>
     <p:extLst>
       <p:ext uri="{BB962C8B-B14F-4D97-AF65-F5344CB8AC3E}">
-        <p14:creationId xmlns:p14="http://schemas.microsoft.com/office/powerpoint/2010/main" xmlns="" val="11189059"/>
+        <p14:creationId xmlns:p14="http://schemas.microsoft.com/office/powerpoint/2010/main" val="11189059"/>
       </p:ext>
     </p:extLst>
   </p:cSld>
@@ -10167,7 +10167,7 @@
     </p:spTree>
     <p:extLst>
       <p:ext uri="{BB962C8B-B14F-4D97-AF65-F5344CB8AC3E}">
-        <p14:creationId xmlns:p14="http://schemas.microsoft.com/office/powerpoint/2010/main" xmlns="" val="2169719733"/>
+        <p14:creationId xmlns:p14="http://schemas.microsoft.com/office/powerpoint/2010/main" val="2169719733"/>
       </p:ext>
     </p:extLst>
   </p:cSld>
@@ -10523,7 +10523,7 @@
           <p:cNvPr id="6" name="内容占位符 5">
             <a:extLst>
               <a:ext uri="{FF2B5EF4-FFF2-40B4-BE49-F238E27FC236}">
-                <a16:creationId xmlns:a16="http://schemas.microsoft.com/office/drawing/2014/main" xmlns="" id="{14AA11B9-49E6-45D4-BE14-F943D747678E}"/>
+                <a16:creationId xmlns:a16="http://schemas.microsoft.com/office/drawing/2014/main" id="{14AA11B9-49E6-45D4-BE14-F943D747678E}"/>
               </a:ext>
             </a:extLst>
           </p:cNvPr>
@@ -10594,7 +10594,7 @@
           <p:cNvPr id="7" name="文本框 6">
             <a:extLst>
               <a:ext uri="{FF2B5EF4-FFF2-40B4-BE49-F238E27FC236}">
-                <a16:creationId xmlns:a16="http://schemas.microsoft.com/office/drawing/2014/main" xmlns="" id="{B3AAA9B9-85AD-4753-9A87-598C905BFFE1}"/>
+                <a16:creationId xmlns:a16="http://schemas.microsoft.com/office/drawing/2014/main" id="{B3AAA9B9-85AD-4753-9A87-598C905BFFE1}"/>
               </a:ext>
             </a:extLst>
           </p:cNvPr>
@@ -10653,7 +10653,7 @@
           <p:cNvPr id="8" name="文本框 7">
             <a:extLst>
               <a:ext uri="{FF2B5EF4-FFF2-40B4-BE49-F238E27FC236}">
-                <a16:creationId xmlns:a16="http://schemas.microsoft.com/office/drawing/2014/main" xmlns="" id="{2FBD082A-68A1-4DD4-AD70-10E6575C6759}"/>
+                <a16:creationId xmlns:a16="http://schemas.microsoft.com/office/drawing/2014/main" id="{2FBD082A-68A1-4DD4-AD70-10E6575C6759}"/>
               </a:ext>
             </a:extLst>
           </p:cNvPr>
@@ -10696,7 +10696,7 @@
           <p:cNvPr id="9" name="图片 8">
             <a:extLst>
               <a:ext uri="{FF2B5EF4-FFF2-40B4-BE49-F238E27FC236}">
-                <a16:creationId xmlns:a16="http://schemas.microsoft.com/office/drawing/2014/main" xmlns="" id="{2A6A6783-EA45-4C04-A21B-FEA84BFD7805}"/>
+                <a16:creationId xmlns:a16="http://schemas.microsoft.com/office/drawing/2014/main" id="{2A6A6783-EA45-4C04-A21B-FEA84BFD7805}"/>
               </a:ext>
             </a:extLst>
           </p:cNvPr>
@@ -10726,7 +10726,7 @@
           <p:cNvPr id="10" name="文本框 9">
             <a:extLst>
               <a:ext uri="{FF2B5EF4-FFF2-40B4-BE49-F238E27FC236}">
-                <a16:creationId xmlns:a16="http://schemas.microsoft.com/office/drawing/2014/main" xmlns="" id="{C9DA9F6D-2685-452F-9C29-CD78A6271E61}"/>
+                <a16:creationId xmlns:a16="http://schemas.microsoft.com/office/drawing/2014/main" id="{C9DA9F6D-2685-452F-9C29-CD78A6271E61}"/>
               </a:ext>
             </a:extLst>
           </p:cNvPr>
@@ -10759,7 +10759,7 @@
     </p:spTree>
     <p:extLst>
       <p:ext uri="{BB962C8B-B14F-4D97-AF65-F5344CB8AC3E}">
-        <p14:creationId xmlns:p14="http://schemas.microsoft.com/office/powerpoint/2010/main" xmlns="" val="2381363895"/>
+        <p14:creationId xmlns:p14="http://schemas.microsoft.com/office/powerpoint/2010/main" val="2381363895"/>
       </p:ext>
     </p:extLst>
   </p:cSld>
@@ -11046,7 +11046,7 @@
           <p:cNvPr id="4" name="图片 3">
             <a:extLst>
               <a:ext uri="{FF2B5EF4-FFF2-40B4-BE49-F238E27FC236}">
-                <a16:creationId xmlns:a16="http://schemas.microsoft.com/office/drawing/2014/main" xmlns="" id="{06BB99C8-3113-4B8B-89DF-C715F65C3BCD}"/>
+                <a16:creationId xmlns:a16="http://schemas.microsoft.com/office/drawing/2014/main" id="{06BB99C8-3113-4B8B-89DF-C715F65C3BCD}"/>
               </a:ext>
             </a:extLst>
           </p:cNvPr>
@@ -11076,7 +11076,7 @@
           <p:cNvPr id="7" name="文本框 6">
             <a:extLst>
               <a:ext uri="{FF2B5EF4-FFF2-40B4-BE49-F238E27FC236}">
-                <a16:creationId xmlns:a16="http://schemas.microsoft.com/office/drawing/2014/main" xmlns="" id="{0C4E4D98-7025-4B01-9B86-999374B2547D}"/>
+                <a16:creationId xmlns:a16="http://schemas.microsoft.com/office/drawing/2014/main" id="{0C4E4D98-7025-4B01-9B86-999374B2547D}"/>
               </a:ext>
             </a:extLst>
           </p:cNvPr>
@@ -11117,20 +11117,13 @@
     </p:spTree>
     <p:extLst>
       <p:ext uri="{BB962C8B-B14F-4D97-AF65-F5344CB8AC3E}">
-        <p14:creationId xmlns:p14="http://schemas.microsoft.com/office/powerpoint/2010/main" xmlns="" val="3596781742"/>
+        <p14:creationId xmlns:p14="http://schemas.microsoft.com/office/powerpoint/2010/main" val="3596781742"/>
       </p:ext>
     </p:extLst>
   </p:cSld>
   <p:clrMapOvr>
     <a:masterClrMapping/>
   </p:clrMapOvr>
-  <p:timing>
-    <p:tnLst>
-      <p:par>
-        <p:cTn id="1" dur="indefinite" restart="never" nodeType="tmRoot"/>
-      </p:par>
-    </p:tnLst>
-  </p:timing>
 </p:sld>
 </file>
 
@@ -11221,7 +11214,7 @@
     </p:spTree>
     <p:extLst>
       <p:ext uri="{BB962C8B-B14F-4D97-AF65-F5344CB8AC3E}">
-        <p14:creationId xmlns:p14="http://schemas.microsoft.com/office/powerpoint/2010/main" xmlns="" val="177765217"/>
+        <p14:creationId xmlns:p14="http://schemas.microsoft.com/office/powerpoint/2010/main" val="177765217"/>
       </p:ext>
     </p:extLst>
   </p:cSld>
@@ -11338,7 +11331,7 @@
     </p:spTree>
     <p:extLst>
       <p:ext uri="{BB962C8B-B14F-4D97-AF65-F5344CB8AC3E}">
-        <p14:creationId xmlns:p14="http://schemas.microsoft.com/office/powerpoint/2010/main" xmlns="" val="4106495847"/>
+        <p14:creationId xmlns:p14="http://schemas.microsoft.com/office/powerpoint/2010/main" val="4106495847"/>
       </p:ext>
     </p:extLst>
   </p:cSld>
@@ -11484,7 +11477,7 @@
     </p:spTree>
     <p:extLst>
       <p:ext uri="{BB962C8B-B14F-4D97-AF65-F5344CB8AC3E}">
-        <p14:creationId xmlns:p14="http://schemas.microsoft.com/office/powerpoint/2010/main" xmlns="" val="2525816554"/>
+        <p14:creationId xmlns:p14="http://schemas.microsoft.com/office/powerpoint/2010/main" val="2525816554"/>
       </p:ext>
     </p:extLst>
   </p:cSld>
@@ -11680,11 +11673,7 @@
           <a:p>
             <a:r>
               <a:rPr lang="zh-CN" altLang="en-US" sz="2400" dirty="0"/>
-              <a:t>给定一张图，</a:t>
-            </a:r>
-            <a:r>
-              <a:rPr lang="zh-CN" altLang="en-US" sz="2400" dirty="0" smtClean="0"/>
-              <a:t>问从</a:t>
+              <a:t>给定一张图，问从</a:t>
             </a:r>
             <a:r>
               <a:rPr lang="en-US" altLang="zh-CN" sz="2400" dirty="0"/>
@@ -11708,18 +11697,14 @@
             </a:r>
             <a:r>
               <a:rPr lang="zh-CN" altLang="en-US" sz="2400" dirty="0"/>
-              <a:t>的简单</a:t>
-            </a:r>
-            <a:r>
-              <a:rPr lang="zh-CN" altLang="en-US" sz="2400" dirty="0" smtClean="0"/>
-              <a:t>路径，有多少种选取</a:t>
-            </a:r>
-            <a:r>
-              <a:rPr lang="en-US" altLang="zh-CN" sz="2400" dirty="0" err="1" smtClean="0"/>
+              <a:t>的简单路径，有多少种选取</a:t>
+            </a:r>
+            <a:r>
+              <a:rPr lang="en-US" altLang="zh-CN" sz="2400" dirty="0" err="1"/>
               <a:t>s,c,f</a:t>
             </a:r>
             <a:r>
-              <a:rPr lang="zh-CN" altLang="en-US" sz="2400" smtClean="0"/>
+              <a:rPr lang="zh-CN" altLang="en-US" sz="2400"/>
               <a:t>的方案。</a:t>
             </a:r>
             <a:endParaRPr lang="en-US" altLang="zh-CN" sz="2400" dirty="0"/>
@@ -11825,20 +11810,13 @@
     </p:spTree>
     <p:extLst>
       <p:ext uri="{BB962C8B-B14F-4D97-AF65-F5344CB8AC3E}">
-        <p14:creationId xmlns:p14="http://schemas.microsoft.com/office/powerpoint/2010/main" xmlns="" val="2586355151"/>
+        <p14:creationId xmlns:p14="http://schemas.microsoft.com/office/powerpoint/2010/main" val="2586355151"/>
       </p:ext>
     </p:extLst>
   </p:cSld>
   <p:clrMapOvr>
     <a:masterClrMapping/>
   </p:clrMapOvr>
-  <p:timing>
-    <p:tnLst>
-      <p:par>
-        <p:cTn id="1" dur="indefinite" restart="never" nodeType="tmRoot"/>
-      </p:par>
-    </p:tnLst>
-  </p:timing>
 </p:sld>
 </file>
 
@@ -12005,7 +11983,7 @@
     </p:spTree>
     <p:extLst>
       <p:ext uri="{BB962C8B-B14F-4D97-AF65-F5344CB8AC3E}">
-        <p14:creationId xmlns:p14="http://schemas.microsoft.com/office/powerpoint/2010/main" xmlns="" val="3350129719"/>
+        <p14:creationId xmlns:p14="http://schemas.microsoft.com/office/powerpoint/2010/main" val="3350129719"/>
       </p:ext>
     </p:extLst>
   </p:cSld>
@@ -12489,7 +12467,7 @@
     </p:spTree>
     <p:extLst>
       <p:ext uri="{BB962C8B-B14F-4D97-AF65-F5344CB8AC3E}">
-        <p14:creationId xmlns:p14="http://schemas.microsoft.com/office/powerpoint/2010/main" xmlns="" val="3349209780"/>
+        <p14:creationId xmlns:p14="http://schemas.microsoft.com/office/powerpoint/2010/main" val="3349209780"/>
       </p:ext>
     </p:extLst>
   </p:cSld>
@@ -12970,7 +12948,7 @@
           <p:cNvPr id="5" name="内容占位符 4">
             <a:extLst>
               <a:ext uri="{FF2B5EF4-FFF2-40B4-BE49-F238E27FC236}">
-                <a16:creationId xmlns:a16="http://schemas.microsoft.com/office/drawing/2014/main" xmlns="" id="{66DA808A-5B6F-473A-9FE4-7706C2DA5E9C}"/>
+                <a16:creationId xmlns:a16="http://schemas.microsoft.com/office/drawing/2014/main" id="{66DA808A-5B6F-473A-9FE4-7706C2DA5E9C}"/>
               </a:ext>
             </a:extLst>
           </p:cNvPr>
@@ -13219,7 +13197,7 @@
     </p:spTree>
     <p:extLst>
       <p:ext uri="{BB962C8B-B14F-4D97-AF65-F5344CB8AC3E}">
-        <p14:creationId xmlns:p14="http://schemas.microsoft.com/office/powerpoint/2010/main" xmlns="" val="1891543816"/>
+        <p14:creationId xmlns:p14="http://schemas.microsoft.com/office/powerpoint/2010/main" val="1891543816"/>
       </p:ext>
     </p:extLst>
   </p:cSld>
@@ -13811,7 +13789,7 @@
           <p:cNvPr id="4" name="图片 3">
             <a:extLst>
               <a:ext uri="{FF2B5EF4-FFF2-40B4-BE49-F238E27FC236}">
-                <a16:creationId xmlns:a16="http://schemas.microsoft.com/office/drawing/2014/main" xmlns="" id="{B3DA6E54-FCEF-4308-9D10-5526F1E081E8}"/>
+                <a16:creationId xmlns:a16="http://schemas.microsoft.com/office/drawing/2014/main" id="{B3DA6E54-FCEF-4308-9D10-5526F1E081E8}"/>
               </a:ext>
             </a:extLst>
           </p:cNvPr>
@@ -13839,7 +13817,7 @@
     </p:spTree>
     <p:extLst>
       <p:ext uri="{BB962C8B-B14F-4D97-AF65-F5344CB8AC3E}">
-        <p14:creationId xmlns:p14="http://schemas.microsoft.com/office/powerpoint/2010/main" xmlns="" val="3500577210"/>
+        <p14:creationId xmlns:p14="http://schemas.microsoft.com/office/powerpoint/2010/main" val="3500577210"/>
       </p:ext>
     </p:extLst>
   </p:cSld>
@@ -17234,7 +17212,7 @@
           <p:cNvPr id="2" name="图片 1">
             <a:extLst>
               <a:ext uri="{FF2B5EF4-FFF2-40B4-BE49-F238E27FC236}">
-                <a16:creationId xmlns:a16="http://schemas.microsoft.com/office/drawing/2014/main" xmlns="" id="{45D2D3C6-7BF1-4769-AF35-F2F41172E8A2}"/>
+                <a16:creationId xmlns:a16="http://schemas.microsoft.com/office/drawing/2014/main" id="{45D2D3C6-7BF1-4769-AF35-F2F41172E8A2}"/>
               </a:ext>
             </a:extLst>
           </p:cNvPr>
@@ -17262,7 +17240,7 @@
     </p:spTree>
     <p:extLst>
       <p:ext uri="{BB962C8B-B14F-4D97-AF65-F5344CB8AC3E}">
-        <p14:creationId xmlns:p14="http://schemas.microsoft.com/office/powerpoint/2010/main" xmlns="" val="2138633458"/>
+        <p14:creationId xmlns:p14="http://schemas.microsoft.com/office/powerpoint/2010/main" val="2138633458"/>
       </p:ext>
     </p:extLst>
   </p:cSld>
@@ -17391,7 +17369,7 @@
           <p:cNvPr id="4" name="图片 3">
             <a:extLst>
               <a:ext uri="{FF2B5EF4-FFF2-40B4-BE49-F238E27FC236}">
-                <a16:creationId xmlns:a16="http://schemas.microsoft.com/office/drawing/2014/main" xmlns="" id="{AC46F4B4-5525-4BE8-85B9-B863257998E7}"/>
+                <a16:creationId xmlns:a16="http://schemas.microsoft.com/office/drawing/2014/main" id="{AC46F4B4-5525-4BE8-85B9-B863257998E7}"/>
               </a:ext>
             </a:extLst>
           </p:cNvPr>
@@ -17421,7 +17399,7 @@
           <p:cNvPr id="5" name="图片 4">
             <a:extLst>
               <a:ext uri="{FF2B5EF4-FFF2-40B4-BE49-F238E27FC236}">
-                <a16:creationId xmlns:a16="http://schemas.microsoft.com/office/drawing/2014/main" xmlns="" id="{3AF9240A-F035-493C-840D-652626A3D3C2}"/>
+                <a16:creationId xmlns:a16="http://schemas.microsoft.com/office/drawing/2014/main" id="{3AF9240A-F035-493C-840D-652626A3D3C2}"/>
               </a:ext>
             </a:extLst>
           </p:cNvPr>
@@ -17449,7 +17427,7 @@
     </p:spTree>
     <p:extLst>
       <p:ext uri="{BB962C8B-B14F-4D97-AF65-F5344CB8AC3E}">
-        <p14:creationId xmlns:p14="http://schemas.microsoft.com/office/powerpoint/2010/main" xmlns="" val="1316292362"/>
+        <p14:creationId xmlns:p14="http://schemas.microsoft.com/office/powerpoint/2010/main" val="1316292362"/>
       </p:ext>
     </p:extLst>
   </p:cSld>
@@ -17995,7 +17973,7 @@
           <p:cNvPr id="1026" name="Picture 2" descr="什么是仙人掌">
             <a:extLst>
               <a:ext uri="{FF2B5EF4-FFF2-40B4-BE49-F238E27FC236}">
-                <a16:creationId xmlns:a16="http://schemas.microsoft.com/office/drawing/2014/main" xmlns="" id="{6FD264A8-03D8-41BB-B80F-B1FBAFFA2E8F}"/>
+                <a16:creationId xmlns:a16="http://schemas.microsoft.com/office/drawing/2014/main" id="{6FD264A8-03D8-41BB-B80F-B1FBAFFA2E8F}"/>
               </a:ext>
             </a:extLst>
           </p:cNvPr>
@@ -18008,7 +17986,7 @@
           <a:blip r:embed="rId2">
             <a:extLst>
               <a:ext uri="{28A0092B-C50C-407E-A947-70E740481C1C}">
-                <a14:useLocalDpi xmlns:a14="http://schemas.microsoft.com/office/drawing/2010/main" xmlns="" val="0"/>
+                <a14:useLocalDpi xmlns:a14="http://schemas.microsoft.com/office/drawing/2010/main" val="0"/>
               </a:ext>
             </a:extLst>
           </a:blip>
@@ -18028,7 +18006,7 @@
           <a:noFill/>
           <a:extLst>
             <a:ext uri="{909E8E84-426E-40DD-AFC4-6F175D3DCCD1}">
-              <a14:hiddenFill xmlns:a14="http://schemas.microsoft.com/office/drawing/2010/main" xmlns="">
+              <a14:hiddenFill xmlns:a14="http://schemas.microsoft.com/office/drawing/2010/main">
                 <a:solidFill>
                   <a:srgbClr val="FFFFFF"/>
                 </a:solidFill>
@@ -18040,7 +18018,7 @@
     </p:spTree>
     <p:extLst>
       <p:ext uri="{BB962C8B-B14F-4D97-AF65-F5344CB8AC3E}">
-        <p14:creationId xmlns:p14="http://schemas.microsoft.com/office/powerpoint/2010/main" xmlns="" val="1958672274"/>
+        <p14:creationId xmlns:p14="http://schemas.microsoft.com/office/powerpoint/2010/main" val="1958672274"/>
       </p:ext>
     </p:extLst>
   </p:cSld>
@@ -18267,7 +18245,7 @@
     </p:spTree>
     <p:extLst>
       <p:ext uri="{BB962C8B-B14F-4D97-AF65-F5344CB8AC3E}">
-        <p14:creationId xmlns:p14="http://schemas.microsoft.com/office/powerpoint/2010/main" xmlns="" val="1693049108"/>
+        <p14:creationId xmlns:p14="http://schemas.microsoft.com/office/powerpoint/2010/main" val="1693049108"/>
       </p:ext>
     </p:extLst>
   </p:cSld>
@@ -18514,7 +18492,7 @@
     </p:spTree>
     <p:extLst>
       <p:ext uri="{BB962C8B-B14F-4D97-AF65-F5344CB8AC3E}">
-        <p14:creationId xmlns:p14="http://schemas.microsoft.com/office/powerpoint/2010/main" xmlns="" val="2343810467"/>
+        <p14:creationId xmlns:p14="http://schemas.microsoft.com/office/powerpoint/2010/main" val="2343810467"/>
       </p:ext>
     </p:extLst>
   </p:cSld>
@@ -18697,7 +18675,7 @@
     </p:spTree>
     <p:extLst>
       <p:ext uri="{BB962C8B-B14F-4D97-AF65-F5344CB8AC3E}">
-        <p14:creationId xmlns:p14="http://schemas.microsoft.com/office/powerpoint/2010/main" xmlns="" val="2680599714"/>
+        <p14:creationId xmlns:p14="http://schemas.microsoft.com/office/powerpoint/2010/main" val="2680599714"/>
       </p:ext>
     </p:extLst>
   </p:cSld>
@@ -18983,20 +18961,13 @@
     </p:spTree>
     <p:extLst>
       <p:ext uri="{BB962C8B-B14F-4D97-AF65-F5344CB8AC3E}">
-        <p14:creationId xmlns:p14="http://schemas.microsoft.com/office/powerpoint/2010/main" xmlns="" val="263780641"/>
+        <p14:creationId xmlns:p14="http://schemas.microsoft.com/office/powerpoint/2010/main" val="263780641"/>
       </p:ext>
     </p:extLst>
   </p:cSld>
   <p:clrMapOvr>
     <a:masterClrMapping/>
   </p:clrMapOvr>
-  <p:timing>
-    <p:tnLst>
-      <p:par>
-        <p:cTn id="1" dur="indefinite" restart="never" nodeType="tmRoot"/>
-      </p:par>
-    </p:tnLst>
-  </p:timing>
 </p:sld>
 </file>
 
@@ -19040,11 +19011,11 @@
           <a:lstStyle/>
           <a:p>
             <a:r>
-              <a:rPr lang="en-US" altLang="zh-CN" sz="4400" dirty="0" err="1" smtClean="0"/>
+              <a:rPr lang="en-US" altLang="zh-CN" sz="4400" dirty="0" err="1"/>
               <a:t>Thansk</a:t>
             </a:r>
             <a:r>
-              <a:rPr lang="en-US" altLang="zh-CN" sz="4400" dirty="0" smtClean="0"/>
+              <a:rPr lang="en-US" altLang="zh-CN" sz="4400" dirty="0"/>
               <a:t>.</a:t>
             </a:r>
             <a:endParaRPr lang="zh-CN" altLang="en-US" sz="4400" dirty="0"/>
@@ -19130,7 +19101,7 @@
               <a:defRPr/>
             </a:pPr>
             <a:r>
-              <a:rPr kumimoji="0" lang="en-US" altLang="zh-CN" sz="4400" b="0" i="0" u="none" strike="noStrike" kern="1200" cap="none" spc="0" normalizeH="0" baseline="0" noProof="0" dirty="0" smtClean="0">
+              <a:rPr kumimoji="0" lang="en-US" altLang="zh-CN" sz="4400" b="0" i="0" u="none" strike="noStrike" kern="1200" cap="none" spc="0" normalizeH="0" baseline="0" noProof="0" dirty="0">
                 <a:ln>
                   <a:noFill/>
                 </a:ln>
@@ -19602,20 +19573,13 @@
     </p:spTree>
     <p:extLst>
       <p:ext uri="{BB962C8B-B14F-4D97-AF65-F5344CB8AC3E}">
-        <p14:creationId xmlns:p14="http://schemas.microsoft.com/office/powerpoint/2010/main" xmlns="" val="3902477558"/>
+        <p14:creationId xmlns:p14="http://schemas.microsoft.com/office/powerpoint/2010/main" val="3902477558"/>
       </p:ext>
     </p:extLst>
   </p:cSld>
   <p:clrMapOvr>
     <a:masterClrMapping/>
   </p:clrMapOvr>
-  <p:timing>
-    <p:tnLst>
-      <p:par>
-        <p:cTn id="1" dur="indefinite" restart="never" nodeType="tmRoot"/>
-      </p:par>
-    </p:tnLst>
-  </p:timing>
 </p:sld>
 </file>
 
@@ -19712,20 +19676,13 @@
     </p:spTree>
     <p:extLst>
       <p:ext uri="{BB962C8B-B14F-4D97-AF65-F5344CB8AC3E}">
-        <p14:creationId xmlns:p14="http://schemas.microsoft.com/office/powerpoint/2010/main" xmlns="" val="282877191"/>
+        <p14:creationId xmlns:p14="http://schemas.microsoft.com/office/powerpoint/2010/main" val="282877191"/>
       </p:ext>
     </p:extLst>
   </p:cSld>
   <p:clrMapOvr>
     <a:masterClrMapping/>
   </p:clrMapOvr>
-  <p:timing>
-    <p:tnLst>
-      <p:par>
-        <p:cTn id="1" dur="indefinite" restart="never" nodeType="tmRoot"/>
-      </p:par>
-    </p:tnLst>
-  </p:timing>
 </p:sld>
 </file>
 
@@ -19835,7 +19792,7 @@
     </p:spTree>
     <p:extLst>
       <p:ext uri="{BB962C8B-B14F-4D97-AF65-F5344CB8AC3E}">
-        <p14:creationId xmlns:p14="http://schemas.microsoft.com/office/powerpoint/2010/main" xmlns="" val="1681211219"/>
+        <p14:creationId xmlns:p14="http://schemas.microsoft.com/office/powerpoint/2010/main" val="1681211219"/>
       </p:ext>
     </p:extLst>
   </p:cSld>
@@ -19996,7 +19953,7 @@
     </p:spTree>
     <p:extLst>
       <p:ext uri="{BB962C8B-B14F-4D97-AF65-F5344CB8AC3E}">
-        <p14:creationId xmlns:p14="http://schemas.microsoft.com/office/powerpoint/2010/main" xmlns="" val="2609457025"/>
+        <p14:creationId xmlns:p14="http://schemas.microsoft.com/office/powerpoint/2010/main" val="2609457025"/>
       </p:ext>
     </p:extLst>
   </p:cSld>
@@ -20406,7 +20363,7 @@
           <p:cNvPr id="4" name="图片 3">
             <a:extLst>
               <a:ext uri="{FF2B5EF4-FFF2-40B4-BE49-F238E27FC236}">
-                <a16:creationId xmlns:a16="http://schemas.microsoft.com/office/drawing/2014/main" xmlns="" id="{06BB99C8-3113-4B8B-89DF-C715F65C3BCD}"/>
+                <a16:creationId xmlns:a16="http://schemas.microsoft.com/office/drawing/2014/main" id="{06BB99C8-3113-4B8B-89DF-C715F65C3BCD}"/>
               </a:ext>
             </a:extLst>
           </p:cNvPr>
@@ -20434,20 +20391,13 @@
     </p:spTree>
     <p:extLst>
       <p:ext uri="{BB962C8B-B14F-4D97-AF65-F5344CB8AC3E}">
-        <p14:creationId xmlns:p14="http://schemas.microsoft.com/office/powerpoint/2010/main" xmlns="" val="1423852196"/>
+        <p14:creationId xmlns:p14="http://schemas.microsoft.com/office/powerpoint/2010/main" val="1423852196"/>
       </p:ext>
     </p:extLst>
   </p:cSld>
   <p:clrMapOvr>
     <a:masterClrMapping/>
   </p:clrMapOvr>
-  <p:timing>
-    <p:tnLst>
-      <p:par>
-        <p:cTn id="1" dur="indefinite" restart="never" nodeType="tmRoot"/>
-      </p:par>
-    </p:tnLst>
-  </p:timing>
 </p:sld>
 </file>
 
@@ -20723,20 +20673,13 @@
     </p:spTree>
     <p:extLst>
       <p:ext uri="{BB962C8B-B14F-4D97-AF65-F5344CB8AC3E}">
-        <p14:creationId xmlns:p14="http://schemas.microsoft.com/office/powerpoint/2010/main" xmlns="" val="208543131"/>
+        <p14:creationId xmlns:p14="http://schemas.microsoft.com/office/powerpoint/2010/main" val="208543131"/>
       </p:ext>
     </p:extLst>
   </p:cSld>
   <p:clrMapOvr>
     <a:masterClrMapping/>
   </p:clrMapOvr>
-  <p:timing>
-    <p:tnLst>
-      <p:par>
-        <p:cTn id="1" dur="indefinite" restart="never" nodeType="tmRoot"/>
-      </p:par>
-    </p:tnLst>
-  </p:timing>
 </p:sld>
 </file>
 
